--- a/ppt/Web Diagram.pptx
+++ b/ppt/Web Diagram.pptx
@@ -260,7 +260,7 @@
           <a:p>
             <a:fld id="{21241E13-D1C2-4235-A106-D816ED148658}" type="datetimeFigureOut">
               <a:rPr lang="ko-KR" altLang="en-US" smtClean="0"/>
-              <a:t>2020-12-02</a:t>
+              <a:t>2020-12-08</a:t>
             </a:fld>
             <a:endParaRPr lang="ko-KR" altLang="en-US"/>
           </a:p>
@@ -458,7 +458,7 @@
           <a:p>
             <a:fld id="{21241E13-D1C2-4235-A106-D816ED148658}" type="datetimeFigureOut">
               <a:rPr lang="ko-KR" altLang="en-US" smtClean="0"/>
-              <a:t>2020-12-02</a:t>
+              <a:t>2020-12-08</a:t>
             </a:fld>
             <a:endParaRPr lang="ko-KR" altLang="en-US"/>
           </a:p>
@@ -666,7 +666,7 @@
           <a:p>
             <a:fld id="{21241E13-D1C2-4235-A106-D816ED148658}" type="datetimeFigureOut">
               <a:rPr lang="ko-KR" altLang="en-US" smtClean="0"/>
-              <a:t>2020-12-02</a:t>
+              <a:t>2020-12-08</a:t>
             </a:fld>
             <a:endParaRPr lang="ko-KR" altLang="en-US"/>
           </a:p>
@@ -864,7 +864,7 @@
           <a:p>
             <a:fld id="{21241E13-D1C2-4235-A106-D816ED148658}" type="datetimeFigureOut">
               <a:rPr lang="ko-KR" altLang="en-US" smtClean="0"/>
-              <a:t>2020-12-02</a:t>
+              <a:t>2020-12-08</a:t>
             </a:fld>
             <a:endParaRPr lang="ko-KR" altLang="en-US"/>
           </a:p>
@@ -1139,7 +1139,7 @@
           <a:p>
             <a:fld id="{21241E13-D1C2-4235-A106-D816ED148658}" type="datetimeFigureOut">
               <a:rPr lang="ko-KR" altLang="en-US" smtClean="0"/>
-              <a:t>2020-12-02</a:t>
+              <a:t>2020-12-08</a:t>
             </a:fld>
             <a:endParaRPr lang="ko-KR" altLang="en-US"/>
           </a:p>
@@ -1404,7 +1404,7 @@
           <a:p>
             <a:fld id="{21241E13-D1C2-4235-A106-D816ED148658}" type="datetimeFigureOut">
               <a:rPr lang="ko-KR" altLang="en-US" smtClean="0"/>
-              <a:t>2020-12-02</a:t>
+              <a:t>2020-12-08</a:t>
             </a:fld>
             <a:endParaRPr lang="ko-KR" altLang="en-US"/>
           </a:p>
@@ -1816,7 +1816,7 @@
           <a:p>
             <a:fld id="{21241E13-D1C2-4235-A106-D816ED148658}" type="datetimeFigureOut">
               <a:rPr lang="ko-KR" altLang="en-US" smtClean="0"/>
-              <a:t>2020-12-02</a:t>
+              <a:t>2020-12-08</a:t>
             </a:fld>
             <a:endParaRPr lang="ko-KR" altLang="en-US"/>
           </a:p>
@@ -1957,7 +1957,7 @@
           <a:p>
             <a:fld id="{21241E13-D1C2-4235-A106-D816ED148658}" type="datetimeFigureOut">
               <a:rPr lang="ko-KR" altLang="en-US" smtClean="0"/>
-              <a:t>2020-12-02</a:t>
+              <a:t>2020-12-08</a:t>
             </a:fld>
             <a:endParaRPr lang="ko-KR" altLang="en-US"/>
           </a:p>
@@ -2070,7 +2070,7 @@
           <a:p>
             <a:fld id="{21241E13-D1C2-4235-A106-D816ED148658}" type="datetimeFigureOut">
               <a:rPr lang="ko-KR" altLang="en-US" smtClean="0"/>
-              <a:t>2020-12-02</a:t>
+              <a:t>2020-12-08</a:t>
             </a:fld>
             <a:endParaRPr lang="ko-KR" altLang="en-US"/>
           </a:p>
@@ -2381,7 +2381,7 @@
           <a:p>
             <a:fld id="{21241E13-D1C2-4235-A106-D816ED148658}" type="datetimeFigureOut">
               <a:rPr lang="ko-KR" altLang="en-US" smtClean="0"/>
-              <a:t>2020-12-02</a:t>
+              <a:t>2020-12-08</a:t>
             </a:fld>
             <a:endParaRPr lang="ko-KR" altLang="en-US"/>
           </a:p>
@@ -2669,7 +2669,7 @@
           <a:p>
             <a:fld id="{21241E13-D1C2-4235-A106-D816ED148658}" type="datetimeFigureOut">
               <a:rPr lang="ko-KR" altLang="en-US" smtClean="0"/>
-              <a:t>2020-12-02</a:t>
+              <a:t>2020-12-08</a:t>
             </a:fld>
             <a:endParaRPr lang="ko-KR" altLang="en-US"/>
           </a:p>
@@ -2910,7 +2910,7 @@
           <a:p>
             <a:fld id="{21241E13-D1C2-4235-A106-D816ED148658}" type="datetimeFigureOut">
               <a:rPr lang="ko-KR" altLang="en-US" smtClean="0"/>
-              <a:t>2020-12-02</a:t>
+              <a:t>2020-12-08</a:t>
             </a:fld>
             <a:endParaRPr lang="ko-KR" altLang="en-US"/>
           </a:p>
@@ -4303,8 +4303,8 @@
         </p:nvSpPr>
         <p:spPr>
           <a:xfrm>
-            <a:off x="4751801" y="555062"/>
-            <a:ext cx="6508782" cy="3904050"/>
+            <a:off x="8791654" y="803490"/>
+            <a:ext cx="2474657" cy="2126730"/>
           </a:xfrm>
           <a:prstGeom prst="rect">
             <a:avLst/>
@@ -4359,7 +4359,7 @@
         </p:nvSpPr>
         <p:spPr>
           <a:xfrm>
-            <a:off x="6692793" y="1244609"/>
+            <a:off x="6692793" y="1143008"/>
             <a:ext cx="2326465" cy="399049"/>
           </a:xfrm>
           <a:prstGeom prst="curvedDownArrow">
@@ -4419,7 +4419,7 @@
         </p:nvSpPr>
         <p:spPr>
           <a:xfrm rot="10800000">
-            <a:off x="6660042" y="1794284"/>
+            <a:off x="6660042" y="2053932"/>
             <a:ext cx="2300397" cy="399049"/>
           </a:xfrm>
           <a:prstGeom prst="curvedDownArrow">
@@ -4479,8 +4479,8 @@
         </p:nvSpPr>
         <p:spPr>
           <a:xfrm>
-            <a:off x="4912914" y="340412"/>
-            <a:ext cx="1196553" cy="369332"/>
+            <a:off x="8960439" y="566987"/>
+            <a:ext cx="906050" cy="369332"/>
           </a:xfrm>
           <a:prstGeom prst="rect">
             <a:avLst/>
@@ -4628,7 +4628,7 @@
         </p:nvSpPr>
         <p:spPr>
           <a:xfrm>
-            <a:off x="3209086" y="1194476"/>
+            <a:off x="3186508" y="1115453"/>
             <a:ext cx="1324402" cy="307777"/>
           </a:xfrm>
           <a:prstGeom prst="rect">
@@ -4666,7 +4666,7 @@
         </p:nvCxnSpPr>
         <p:spPr>
           <a:xfrm flipH="1" flipV="1">
-            <a:off x="2545811" y="1837455"/>
+            <a:off x="2545811" y="1995501"/>
             <a:ext cx="2885192" cy="41174"/>
           </a:xfrm>
           <a:prstGeom prst="straightConnector1">
@@ -4708,7 +4708,7 @@
         </p:nvSpPr>
         <p:spPr>
           <a:xfrm>
-            <a:off x="2996219" y="2095254"/>
+            <a:off x="3018797" y="2196855"/>
             <a:ext cx="1579952" cy="523220"/>
           </a:xfrm>
           <a:prstGeom prst="rect">
@@ -4761,7 +4761,7 @@
         </p:nvSpPr>
         <p:spPr>
           <a:xfrm>
-            <a:off x="9020938" y="1265333"/>
+            <a:off x="9132775" y="1099858"/>
             <a:ext cx="1676340" cy="1438151"/>
           </a:xfrm>
           <a:prstGeom prst="roundRect">
@@ -4836,7 +4836,7 @@
         </p:nvSpPr>
         <p:spPr>
           <a:xfrm>
-            <a:off x="7467056" y="808371"/>
+            <a:off x="7467056" y="695481"/>
             <a:ext cx="646331" cy="369332"/>
           </a:xfrm>
           <a:prstGeom prst="rect">
@@ -4872,7 +4872,7 @@
         </p:nvSpPr>
         <p:spPr>
           <a:xfrm>
-            <a:off x="7327308" y="2241526"/>
+            <a:off x="7327308" y="2501174"/>
             <a:ext cx="1107996" cy="369332"/>
           </a:xfrm>
           <a:prstGeom prst="rect">
@@ -4908,7 +4908,7 @@
         <p:spPr>
           <a:xfrm>
             <a:off x="5136928" y="1177703"/>
-            <a:ext cx="1934973" cy="2852430"/>
+            <a:ext cx="1934973" cy="3673626"/>
           </a:xfrm>
           <a:prstGeom prst="roundRect">
             <a:avLst/>
@@ -4999,7 +4999,7 @@
             <a:pPr algn="ctr"/>
             <a:r>
               <a:rPr lang="en-US" altLang="ko-KR" dirty="0"/>
-              <a:t>Nginx</a:t>
+              <a:t>WWW</a:t>
             </a:r>
             <a:endParaRPr lang="ko-KR" altLang="en-US" dirty="0"/>
           </a:p>
@@ -5019,7 +5019,7 @@
         </p:nvSpPr>
         <p:spPr>
           <a:xfrm>
-            <a:off x="5499207" y="3151604"/>
+            <a:off x="5499207" y="3975693"/>
             <a:ext cx="1193586" cy="547047"/>
           </a:xfrm>
           <a:prstGeom prst="rect">
@@ -5078,8 +5078,8 @@
         </p:nvSpPr>
         <p:spPr>
           <a:xfrm>
-            <a:off x="5328355" y="967651"/>
-            <a:ext cx="660966" cy="369332"/>
+            <a:off x="5328354" y="967651"/>
+            <a:ext cx="924887" cy="369332"/>
           </a:xfrm>
           <a:prstGeom prst="rect">
             <a:avLst/>
@@ -5097,7 +5097,7 @@
             <a:pPr algn="ctr"/>
             <a:r>
               <a:rPr lang="en-US" altLang="ko-KR" dirty="0"/>
-              <a:t>EC2</a:t>
+              <a:t>Server</a:t>
             </a:r>
             <a:endParaRPr lang="ko-KR" altLang="en-US" dirty="0"/>
           </a:p>
@@ -5117,8 +5117,8 @@
         </p:nvSpPr>
         <p:spPr>
           <a:xfrm>
-            <a:off x="5089903" y="2503072"/>
-            <a:ext cx="1063112" cy="261610"/>
+            <a:off x="5112481" y="2615962"/>
+            <a:ext cx="1002197" cy="261610"/>
           </a:xfrm>
           <a:prstGeom prst="rect">
             <a:avLst/>
@@ -5133,15 +5133,7 @@
           <a:p>
             <a:r>
               <a:rPr lang="en-US" altLang="ko-KR" sz="1100" dirty="0"/>
-              <a:t>If (</a:t>
-            </a:r>
-            <a:r>
-              <a:rPr lang="en-US" altLang="ko-KR" sz="1100" dirty="0" err="1"/>
-              <a:t>isCelebrity</a:t>
-            </a:r>
-            <a:r>
-              <a:rPr lang="en-US" altLang="ko-KR" sz="1100" dirty="0"/>
-              <a:t>)</a:t>
+              <a:t>If (Celebrity)</a:t>
             </a:r>
             <a:endParaRPr lang="ko-KR" altLang="en-US" sz="1100" dirty="0"/>
           </a:p>
@@ -5237,8 +5229,8 @@
         </p:nvCxnSpPr>
         <p:spPr>
           <a:xfrm flipV="1">
-            <a:off x="2149309" y="3425128"/>
-            <a:ext cx="3349898" cy="834817"/>
+            <a:off x="2149309" y="4249217"/>
+            <a:ext cx="3349898" cy="10728"/>
           </a:xfrm>
           <a:prstGeom prst="straightConnector1">
             <a:avLst/>
@@ -5279,8 +5271,8 @@
           <p:nvPr/>
         </p:nvSpPr>
         <p:spPr>
-          <a:xfrm rot="20775354">
-            <a:off x="2761173" y="3888641"/>
+          <a:xfrm>
+            <a:off x="2791683" y="4448130"/>
             <a:ext cx="1643848" cy="369332"/>
           </a:xfrm>
           <a:prstGeom prst="rect">
@@ -5321,7 +5313,7 @@
         <p:spPr>
           <a:xfrm>
             <a:off x="6074932" y="2030772"/>
-            <a:ext cx="21068" cy="1120832"/>
+            <a:ext cx="21068" cy="1944921"/>
           </a:xfrm>
           <a:prstGeom prst="straightConnector1">
             <a:avLst/>
@@ -5363,7 +5355,7 @@
         </p:nvSpPr>
         <p:spPr>
           <a:xfrm>
-            <a:off x="3570555" y="1482880"/>
+            <a:off x="3785045" y="1482880"/>
             <a:ext cx="214650" cy="214650"/>
           </a:xfrm>
           <a:prstGeom prst="ellipse">
@@ -5418,7 +5410,7 @@
         </p:nvSpPr>
         <p:spPr>
           <a:xfrm>
-            <a:off x="7673935" y="1164019"/>
+            <a:off x="7673935" y="1051129"/>
             <a:ext cx="214650" cy="214650"/>
           </a:xfrm>
           <a:prstGeom prst="ellipse">
@@ -5473,7 +5465,7 @@
         </p:nvSpPr>
         <p:spPr>
           <a:xfrm>
-            <a:off x="7683658" y="2066246"/>
+            <a:off x="7683658" y="2325894"/>
             <a:ext cx="214650" cy="214650"/>
           </a:xfrm>
           <a:prstGeom prst="ellipse">
@@ -5528,7 +5520,7 @@
         </p:nvSpPr>
         <p:spPr>
           <a:xfrm>
-            <a:off x="3575023" y="1739651"/>
+            <a:off x="3507289" y="1897697"/>
             <a:ext cx="214650" cy="214650"/>
           </a:xfrm>
           <a:prstGeom prst="ellipse">
@@ -5583,7 +5575,7 @@
         </p:nvSpPr>
         <p:spPr>
           <a:xfrm>
-            <a:off x="5978141" y="2336794"/>
+            <a:off x="5978141" y="2878661"/>
             <a:ext cx="214650" cy="214650"/>
           </a:xfrm>
           <a:prstGeom prst="ellipse">
@@ -5635,7 +5627,7 @@
         </p:nvSpPr>
         <p:spPr>
           <a:xfrm>
-            <a:off x="5933605" y="2312109"/>
+            <a:off x="5933605" y="2853976"/>
             <a:ext cx="576872" cy="261610"/>
           </a:xfrm>
           <a:prstGeom prst="rect">
@@ -5655,7 +5647,7 @@
                   <a:schemeClr val="bg1"/>
                 </a:solidFill>
               </a:rPr>
-              <a:t>4`</a:t>
+              <a:t>4</a:t>
             </a:r>
             <a:endParaRPr lang="ko-KR" altLang="en-US" sz="1100" dirty="0">
               <a:solidFill>
@@ -5679,7 +5671,7 @@
         </p:nvSpPr>
         <p:spPr>
           <a:xfrm>
-            <a:off x="3514889" y="3747705"/>
+            <a:off x="3537467" y="4165396"/>
             <a:ext cx="214650" cy="214650"/>
           </a:xfrm>
           <a:prstGeom prst="ellipse">
@@ -5731,7 +5723,7 @@
         </p:nvSpPr>
         <p:spPr>
           <a:xfrm>
-            <a:off x="3470353" y="3723020"/>
+            <a:off x="3492931" y="4140711"/>
             <a:ext cx="576872" cy="261610"/>
           </a:xfrm>
           <a:prstGeom prst="rect">
@@ -5751,7 +5743,7 @@
                   <a:schemeClr val="bg1"/>
                 </a:solidFill>
               </a:rPr>
-              <a:t>5`</a:t>
+              <a:t>5</a:t>
             </a:r>
             <a:endParaRPr lang="ko-KR" altLang="en-US" sz="1100" dirty="0">
               <a:solidFill>
@@ -5775,7 +5767,7 @@
         </p:nvSpPr>
         <p:spPr>
           <a:xfrm>
-            <a:off x="4057208" y="1748065"/>
+            <a:off x="4057208" y="1917400"/>
             <a:ext cx="214650" cy="214650"/>
           </a:xfrm>
           <a:prstGeom prst="ellipse">
@@ -5827,7 +5819,7 @@
         </p:nvSpPr>
         <p:spPr>
           <a:xfrm>
-            <a:off x="4012672" y="1723380"/>
+            <a:off x="4012672" y="1881426"/>
             <a:ext cx="576872" cy="261610"/>
           </a:xfrm>
           <a:prstGeom prst="rect">
@@ -5847,7 +5839,7 @@
                   <a:schemeClr val="bg1"/>
                 </a:solidFill>
               </a:rPr>
-              <a:t>6`</a:t>
+              <a:t>6</a:t>
             </a:r>
             <a:endParaRPr lang="ko-KR" altLang="en-US" sz="1100" dirty="0">
               <a:solidFill>
